--- a/session_05/Session_05-Spring-Cloud-Services.pptx
+++ b/session_05/Session_05-Spring-Cloud-Services.pptx
@@ -11,7 +11,7 @@
     <p:handoutMasterId r:id="rId26"/>
   </p:handoutMasterIdLst>
   <p:sldIdLst>
-    <p:sldId id="917" r:id="rId2"/>
+    <p:sldId id="921" r:id="rId2"/>
     <p:sldId id="907" r:id="rId3"/>
     <p:sldId id="787" r:id="rId4"/>
     <p:sldId id="913" r:id="rId5"/>
@@ -137,7 +137,7 @@
       <p14:sectionLst xmlns:p14="http://schemas.microsoft.com/office/powerpoint/2010/main">
         <p14:section name="Microservices" id="{83A0419E-19EB-9342-83A0-BB4462C158B2}">
           <p14:sldIdLst>
-            <p14:sldId id="917"/>
+            <p14:sldId id="921"/>
             <p14:sldId id="907"/>
             <p14:sldId id="787"/>
             <p14:sldId id="913"/>
@@ -1561,8 +1561,8 @@
     <dgm:cxn modelId="{6D01B1B8-8844-6A41-BCBA-6C1444BB74A3}" srcId="{E56A7E6D-4D55-DB47-9A7B-B4D5FF186CC7}" destId="{257765AA-B614-784B-A2AA-1773FFE55BA0}" srcOrd="1" destOrd="0" parTransId="{07131469-BF00-EB43-9B92-CA29AA9CE75D}" sibTransId="{A80E9E32-5754-5649-AE0A-AD60A0977005}"/>
     <dgm:cxn modelId="{FA66F565-C2A0-D64D-AE5C-26C05E282693}" type="presOf" srcId="{E48B2B4C-7106-B84D-A5F1-BFA8DF201D37}" destId="{0686E0C9-21A3-8C49-B1F0-2882317D5295}" srcOrd="0" destOrd="0" presId="urn:microsoft.com/office/officeart/2005/8/layout/chevron2"/>
     <dgm:cxn modelId="{4571E655-5A45-4C49-8AAE-BDFB06D7406E}" srcId="{5EE6F95F-F3A2-2F46-90F7-86CC3FEB614D}" destId="{E48B2B4C-7106-B84D-A5F1-BFA8DF201D37}" srcOrd="1" destOrd="0" parTransId="{65F084B7-4E5E-DC40-95CB-4ACBABA9D3E9}" sibTransId="{F376BA3A-4CD1-C648-9457-72F43F6A04C1}"/>
+    <dgm:cxn modelId="{B6C48D5C-D98C-D64B-8AA7-9DCD24DA50CE}" type="presOf" srcId="{70C01783-6117-C843-A0B8-C3402FA2C562}" destId="{B244DF7A-4E5F-384A-BE5D-3AF1086FAD4F}" srcOrd="0" destOrd="0" presId="urn:microsoft.com/office/officeart/2005/8/layout/chevron2"/>
     <dgm:cxn modelId="{6D937989-5C36-7147-967F-061665FD7F02}" srcId="{5EE6F95F-F3A2-2F46-90F7-86CC3FEB614D}" destId="{70C01783-6117-C843-A0B8-C3402FA2C562}" srcOrd="2" destOrd="0" parTransId="{3E65212C-059B-E648-8D2E-30D5672C173A}" sibTransId="{CE9E8DE5-56AD-3045-B2FE-E70B435AFA6E}"/>
-    <dgm:cxn modelId="{B6C48D5C-D98C-D64B-8AA7-9DCD24DA50CE}" type="presOf" srcId="{70C01783-6117-C843-A0B8-C3402FA2C562}" destId="{B244DF7A-4E5F-384A-BE5D-3AF1086FAD4F}" srcOrd="0" destOrd="0" presId="urn:microsoft.com/office/officeart/2005/8/layout/chevron2"/>
     <dgm:cxn modelId="{BB9B2890-2715-EB44-8450-B39E7FDD46F7}" type="presParOf" srcId="{2F726A8B-6460-9543-9DF0-A85F770C25DA}" destId="{6EEDB188-A9D8-8544-A8C0-F56475517D04}" srcOrd="0" destOrd="0" presId="urn:microsoft.com/office/officeart/2005/8/layout/chevron2"/>
     <dgm:cxn modelId="{0F88B67D-BCF6-324A-867A-5CB76BA81C01}" type="presParOf" srcId="{6EEDB188-A9D8-8544-A8C0-F56475517D04}" destId="{DFFEA138-584A-214B-9FF9-500CD12AD695}" srcOrd="0" destOrd="0" presId="urn:microsoft.com/office/officeart/2005/8/layout/chevron2"/>
     <dgm:cxn modelId="{B06BABE6-AF88-8B48-98E9-D02F3BA18F0A}" type="presParOf" srcId="{6EEDB188-A9D8-8544-A8C0-F56475517D04}" destId="{BB6062B2-2702-8044-A842-66E37CBDD983}" srcOrd="1" destOrd="0" presId="urn:microsoft.com/office/officeart/2005/8/layout/chevron2"/>
@@ -3931,7 +3931,12 @@
             <p:ph type="sldImg"/>
           </p:nvPr>
         </p:nvSpPr>
-        <p:spPr/>
+        <p:spPr>
+          <a:xfrm>
+            <a:off x="393700" y="692150"/>
+            <a:ext cx="6146800" cy="3457575"/>
+          </a:xfrm>
+        </p:spPr>
       </p:sp>
       <p:sp>
         <p:nvSpPr>
@@ -3948,14 +3953,76 @@
           <a:bodyPr/>
           <a:lstStyle/>
           <a:p>
-            <a:endParaRPr lang="en-US"/>
+            <a:pPr>
+              <a:spcBef>
+                <a:spcPts val="0"/>
+              </a:spcBef>
+              <a:buClr>
+                <a:schemeClr val="dk1"/>
+              </a:buClr>
+              <a:buSzPct val="25000"/>
+            </a:pPr>
+            <a:r>
+              <a:rPr lang="en-US" sz="1200" dirty="0">
+                <a:solidFill>
+                  <a:schemeClr val="dk1"/>
+                </a:solidFill>
+                <a:latin typeface="Verdana"/>
+                <a:ea typeface="Verdana"/>
+                <a:cs typeface="Verdana"/>
+                <a:sym typeface="Verdana"/>
+              </a:rPr>
+              <a:t>I want to talk to you about cloud native applications, and bringing microservice architectures into production in the enterprise.</a:t>
+            </a:r>
+          </a:p>
+        </p:txBody>
+      </p:sp>
+      <p:sp>
+        <p:nvSpPr>
+          <p:cNvPr id="4" name="Slide Number Placeholder 3"/>
+          <p:cNvSpPr>
+            <a:spLocks noGrp="1"/>
+          </p:cNvSpPr>
+          <p:nvPr>
+            <p:ph type="sldNum" sz="quarter" idx="10"/>
+          </p:nvPr>
+        </p:nvSpPr>
+        <p:spPr>
+          <a:xfrm>
+            <a:off x="3927775" y="8757590"/>
+            <a:ext cx="3004820" cy="461010"/>
+          </a:xfrm>
+          <a:prstGeom prst="rect">
+            <a:avLst/>
+          </a:prstGeom>
+        </p:spPr>
+        <p:txBody>
+          <a:bodyPr lIns="92309" tIns="46154" rIns="92309" bIns="46154"/>
+          <a:lstStyle/>
+          <a:p>
+            <a:fld id="{9BEDBE90-FDBE-A44D-9062-5A5D1585D5B8}" type="slidenum">
+              <a:rPr lang="en-US" smtClean="0">
+                <a:solidFill>
+                  <a:prstClr val="black"/>
+                </a:solidFill>
+                <a:latin typeface="Calibri"/>
+              </a:rPr>
+              <a:pPr/>
+              <a:t>1</a:t>
+            </a:fld>
+            <a:endParaRPr lang="en-US">
+              <a:solidFill>
+                <a:prstClr val="black"/>
+              </a:solidFill>
+              <a:latin typeface="Calibri"/>
+            </a:endParaRPr>
           </a:p>
         </p:txBody>
       </p:sp>
     </p:spTree>
     <p:extLst>
       <p:ext uri="{BB962C8B-B14F-4D97-AF65-F5344CB8AC3E}">
-        <p14:creationId xmlns:p14="http://schemas.microsoft.com/office/powerpoint/2010/main" val="31124830"/>
+        <p14:creationId xmlns:p14="http://schemas.microsoft.com/office/powerpoint/2010/main" val="4023181885"/>
       </p:ext>
     </p:extLst>
   </p:cSld>
@@ -8909,6 +8976,93 @@
 </p:sldLayout>
 </file>
 
+<file path=ppt/slideLayouts/slideLayout17.xml><?xml version="1.0" encoding="utf-8"?>
+<p:sldLayout xmlns:a="http://schemas.openxmlformats.org/drawingml/2006/main" xmlns:r="http://schemas.openxmlformats.org/officeDocument/2006/relationships" xmlns:p="http://schemas.openxmlformats.org/presentationml/2006/main" userDrawn="1">
+  <p:cSld name=" Blank logo">
+    <p:spTree>
+      <p:nvGrpSpPr>
+        <p:cNvPr id="1" name=""/>
+        <p:cNvGrpSpPr/>
+        <p:nvPr/>
+      </p:nvGrpSpPr>
+      <p:grpSpPr>
+        <a:xfrm>
+          <a:off x="0" y="0"/>
+          <a:ext cx="0" cy="0"/>
+          <a:chOff x="0" y="0"/>
+          <a:chExt cx="0" cy="0"/>
+        </a:xfrm>
+      </p:grpSpPr>
+      <p:sp>
+        <p:nvSpPr>
+          <p:cNvPr id="5" name="Slide Number Placeholder 5"/>
+          <p:cNvSpPr>
+            <a:spLocks noGrp="1"/>
+          </p:cNvSpPr>
+          <p:nvPr>
+            <p:ph type="sldNum" sz="quarter" idx="12"/>
+          </p:nvPr>
+        </p:nvSpPr>
+        <p:spPr>
+          <a:xfrm>
+            <a:off x="48247" y="4861463"/>
+            <a:ext cx="373338" cy="273844"/>
+          </a:xfrm>
+          <a:prstGeom prst="rect">
+            <a:avLst/>
+          </a:prstGeom>
+        </p:spPr>
+        <p:txBody>
+          <a:bodyPr/>
+          <a:lstStyle>
+            <a:lvl1pPr>
+              <a:defRPr sz="900">
+                <a:solidFill>
+                  <a:schemeClr val="bg1">
+                    <a:lumMod val="65000"/>
+                  </a:schemeClr>
+                </a:solidFill>
+              </a:defRPr>
+            </a:lvl1pPr>
+          </a:lstStyle>
+          <a:p>
+            <a:fld id="{ADA07C09-8A41-3B46-A636-3955072BBB4F}" type="slidenum">
+              <a:rPr lang="en-US" smtClean="0"/>
+              <a:pPr/>
+              <a:t>‹#›</a:t>
+            </a:fld>
+            <a:endParaRPr lang="en-US"/>
+          </a:p>
+        </p:txBody>
+      </p:sp>
+    </p:spTree>
+    <p:extLst>
+      <p:ext uri="{BB962C8B-B14F-4D97-AF65-F5344CB8AC3E}">
+        <p14:creationId xmlns:p14="http://schemas.microsoft.com/office/powerpoint/2010/main" val="3120158838"/>
+      </p:ext>
+    </p:extLst>
+  </p:cSld>
+  <p:clrMapOvr>
+    <a:masterClrMapping/>
+  </p:clrMapOvr>
+  <mc:AlternateContent xmlns:mc="http://schemas.openxmlformats.org/markup-compatibility/2006" xmlns:p14="http://schemas.microsoft.com/office/powerpoint/2010/main">
+    <mc:Choice Requires="p14">
+      <p:transition p14:dur="0"/>
+    </mc:Choice>
+    <mc:Fallback xmlns="">
+      <p:transition xmlns:p14="http://schemas.microsoft.com/office/powerpoint/2010/main"/>
+    </mc:Fallback>
+  </mc:AlternateContent>
+  <p:timing>
+    <p:tnLst>
+      <p:par>
+        <p:cTn xmlns:p14="http://schemas.microsoft.com/office/powerpoint/2010/main" id="1" dur="indefinite" restart="never" nodeType="tmRoot"/>
+      </p:par>
+    </p:tnLst>
+  </p:timing>
+</p:sldLayout>
+</file>
+
 <file path=ppt/slideLayouts/slideLayout2.xml><?xml version="1.0" encoding="utf-8"?>
 <p:sldLayout xmlns:a="http://schemas.openxmlformats.org/drawingml/2006/main" xmlns:r="http://schemas.openxmlformats.org/officeDocument/2006/relationships" xmlns:p="http://schemas.openxmlformats.org/presentationml/2006/main" preserve="1" userDrawn="1">
   <p:cSld name="Divider">
@@ -10903,7 +11057,7 @@
           <p:nvPr/>
         </p:nvPicPr>
         <p:blipFill>
-          <a:blip r:embed="rId18" cstate="print"/>
+          <a:blip r:embed="rId19" cstate="print"/>
           <a:stretch>
             <a:fillRect/>
           </a:stretch>
@@ -11009,6 +11163,7 @@
     <p:sldLayoutId id="2147483686" r:id="rId14"/>
     <p:sldLayoutId id="2147483698" r:id="rId15"/>
     <p:sldLayoutId id="2147483691" r:id="rId16"/>
+    <p:sldLayoutId id="2147483700" r:id="rId17"/>
   </p:sldLayoutIdLst>
   <p:transition xmlns:p14="http://schemas.microsoft.com/office/powerpoint/2010/main">
     <p:fade/>
@@ -11305,90 +11460,310 @@
           <a:chExt cx="0" cy="0"/>
         </a:xfrm>
       </p:grpSpPr>
+      <p:pic>
+        <p:nvPicPr>
+          <p:cNvPr id="4" name="Picture 3"/>
+          <p:cNvPicPr>
+            <a:picLocks/>
+          </p:cNvPicPr>
+          <p:nvPr/>
+        </p:nvPicPr>
+        <p:blipFill rotWithShape="1">
+          <a:blip r:embed="rId3">
+            <a:extLst>
+              <a:ext uri="{28A0092B-C50C-407E-A947-70E740481C1C}">
+                <a14:useLocalDpi xmlns:a14="http://schemas.microsoft.com/office/drawing/2010/main" val="0"/>
+              </a:ext>
+            </a:extLst>
+          </a:blip>
+          <a:srcRect t="5795" b="5795"/>
+          <a:stretch/>
+        </p:blipFill>
+        <p:spPr>
+          <a:xfrm>
+            <a:off x="-13167" y="-130747"/>
+            <a:ext cx="9170334" cy="5404994"/>
+          </a:xfrm>
+          <a:prstGeom prst="rect">
+            <a:avLst/>
+          </a:prstGeom>
+        </p:spPr>
+      </p:pic>
       <p:sp>
         <p:nvSpPr>
-          <p:cNvPr id="2" name="Title 1"/>
-          <p:cNvSpPr>
-            <a:spLocks noGrp="1"/>
-          </p:cNvSpPr>
-          <p:nvPr>
-            <p:ph type="ctrTitle"/>
-          </p:nvPr>
+          <p:cNvPr id="14" name="Shape 251"/>
+          <p:cNvSpPr/>
+          <p:nvPr/>
         </p:nvSpPr>
         <p:spPr>
           <a:xfrm>
-            <a:off x="890587" y="1312907"/>
-            <a:ext cx="6416331" cy="1006429"/>
+            <a:off x="-4469" y="-130747"/>
+            <a:ext cx="9144000" cy="5404994"/>
           </a:xfrm>
+          <a:prstGeom prst="rect">
+            <a:avLst/>
+          </a:prstGeom>
+          <a:solidFill>
+            <a:srgbClr val="182730">
+              <a:alpha val="77000"/>
+            </a:srgbClr>
+          </a:solidFill>
+          <a:ln>
+            <a:noFill/>
+          </a:ln>
         </p:spPr>
         <p:txBody>
-          <a:bodyPr/>
+          <a:bodyPr lIns="91425" tIns="45700" rIns="91425" bIns="45700" anchor="ctr" anchorCtr="0">
+            <a:noAutofit/>
+          </a:bodyPr>
           <a:lstStyle/>
           <a:p>
-            <a:r>
-              <a:rPr lang="en-US" dirty="0" smtClean="0"/>
+            <a:pPr algn="ctr"/>
+            <a:endParaRPr>
+              <a:solidFill>
+                <a:srgbClr val="FFFFFF"/>
+              </a:solidFill>
+              <a:latin typeface="Arial"/>
+              <a:ea typeface="Arial"/>
+              <a:cs typeface="Arial"/>
+              <a:sym typeface="Arial"/>
+            </a:endParaRPr>
+          </a:p>
+        </p:txBody>
+      </p:sp>
+      <p:pic>
+        <p:nvPicPr>
+          <p:cNvPr id="8" name="Picture 7" descr="pivotal_white.png"/>
+          <p:cNvPicPr>
+            <a:picLocks noChangeAspect="1"/>
+          </p:cNvPicPr>
+          <p:nvPr/>
+        </p:nvPicPr>
+        <p:blipFill>
+          <a:blip r:embed="rId4">
+            <a:extLst>
+              <a:ext uri="{28A0092B-C50C-407E-A947-70E740481C1C}">
+                <a14:useLocalDpi xmlns:a14="http://schemas.microsoft.com/office/drawing/2010/main" val="0"/>
+              </a:ext>
+            </a:extLst>
+          </a:blip>
+          <a:stretch>
+            <a:fillRect/>
+          </a:stretch>
+        </p:blipFill>
+        <p:spPr>
+          <a:xfrm>
+            <a:off x="753110" y="978442"/>
+            <a:ext cx="1368554" cy="336279"/>
+          </a:xfrm>
+          <a:prstGeom prst="rect">
+            <a:avLst/>
+          </a:prstGeom>
+        </p:spPr>
+      </p:pic>
+      <p:sp>
+        <p:nvSpPr>
+          <p:cNvPr id="10" name="TextBox 9"/>
+          <p:cNvSpPr txBox="1"/>
+          <p:nvPr/>
+        </p:nvSpPr>
+        <p:spPr>
+          <a:xfrm>
+            <a:off x="623455" y="1898424"/>
+            <a:ext cx="7897090" cy="1323439"/>
+          </a:xfrm>
+          <a:prstGeom prst="rect">
+            <a:avLst/>
+          </a:prstGeom>
+          <a:noFill/>
+          <a:effectLst>
+            <a:outerShdw blurRad="63500" sx="102000" sy="102000" algn="ctr" rotWithShape="0">
+              <a:prstClr val="black">
+                <a:alpha val="40000"/>
+              </a:prstClr>
+            </a:outerShdw>
+          </a:effectLst>
+        </p:spPr>
+        <p:txBody>
+          <a:bodyPr wrap="square" rtlCol="0">
+            <a:spAutoFit/>
+          </a:bodyPr>
+          <a:lstStyle/>
+          <a:p>
+            <a:pPr>
+              <a:spcAft>
+                <a:spcPts val="1200"/>
+              </a:spcAft>
+            </a:pPr>
+            <a:r>
+              <a:rPr lang="en-US" sz="4800" dirty="0">
+                <a:solidFill>
+                  <a:srgbClr val="2C95DD"/>
+                </a:solidFill>
+              </a:rPr>
+              <a:t>Cloud Native </a:t>
+            </a:r>
+            <a:r>
+              <a:rPr lang="en-US" sz="4800" dirty="0" smtClean="0">
+                <a:solidFill>
+                  <a:srgbClr val="2C95DD"/>
+                </a:solidFill>
+              </a:rPr>
+              <a:t>Workshop</a:t>
+            </a:r>
+            <a:endParaRPr lang="en-US" sz="4800" dirty="0">
+              <a:solidFill>
+                <a:srgbClr val="2C95DD"/>
+              </a:solidFill>
+            </a:endParaRPr>
+          </a:p>
+          <a:p>
+            <a:pPr>
+              <a:lnSpc>
+                <a:spcPct val="90000"/>
+              </a:lnSpc>
+              <a:spcAft>
+                <a:spcPts val="1200"/>
+              </a:spcAft>
+            </a:pPr>
+            <a:r>
+              <a:rPr lang="en-US" sz="2400" b="1" spc="-100" dirty="0" smtClean="0">
+                <a:solidFill>
+                  <a:schemeClr val="bg1"/>
+                </a:solidFill>
+                <a:effectLst>
+                  <a:outerShdw blurRad="50800" dist="38100" dir="5400000" algn="t" rotWithShape="0">
+                    <a:prstClr val="black">
+                      <a:alpha val="40000"/>
+                    </a:prstClr>
+                  </a:outerShdw>
+                </a:effectLst>
+                <a:cs typeface="Arial"/>
+              </a:rPr>
               <a:t>Spring Cloud Services on Pivotal Cloud Foundry</a:t>
             </a:r>
-            <a:endParaRPr lang="en-US" dirty="0"/>
+            <a:endParaRPr lang="en-US" sz="2400" b="1" spc="-100" dirty="0" smtClean="0">
+              <a:solidFill>
+                <a:schemeClr val="bg1"/>
+              </a:solidFill>
+              <a:effectLst>
+                <a:outerShdw blurRad="50800" dist="38100" dir="5400000" algn="t" rotWithShape="0">
+                  <a:prstClr val="black">
+                    <a:alpha val="40000"/>
+                  </a:prstClr>
+                </a:outerShdw>
+              </a:effectLst>
+              <a:cs typeface="Arial"/>
+            </a:endParaRPr>
           </a:p>
         </p:txBody>
       </p:sp>
       <p:sp>
         <p:nvSpPr>
-          <p:cNvPr id="3" name="Subtitle 2"/>
-          <p:cNvSpPr>
-            <a:spLocks noGrp="1"/>
-          </p:cNvSpPr>
-          <p:nvPr>
-            <p:ph type="subTitle" idx="1"/>
-          </p:nvPr>
+          <p:cNvPr id="11" name="TextBox 10"/>
+          <p:cNvSpPr txBox="1"/>
+          <p:nvPr/>
         </p:nvSpPr>
         <p:spPr>
           <a:xfrm>
-            <a:off x="890588" y="2633384"/>
-            <a:ext cx="6048375" cy="369332"/>
+            <a:off x="623455" y="3461916"/>
+            <a:ext cx="7897090" cy="338554"/>
           </a:xfrm>
+          <a:prstGeom prst="rect">
+            <a:avLst/>
+          </a:prstGeom>
+          <a:noFill/>
         </p:spPr>
         <p:txBody>
-          <a:bodyPr/>
+          <a:bodyPr wrap="square" rtlCol="0">
+            <a:spAutoFit/>
+          </a:bodyPr>
           <a:lstStyle/>
           <a:p>
-            <a:endParaRPr lang="en-US" dirty="0" smtClean="0"/>
+            <a:pPr>
+              <a:spcAft>
+                <a:spcPts val="300"/>
+              </a:spcAft>
+            </a:pPr>
+            <a:r>
+              <a:rPr lang="en-US" sz="1600" dirty="0" smtClean="0">
+                <a:solidFill>
+                  <a:srgbClr val="FFFFFF"/>
+                </a:solidFill>
+                <a:cs typeface="Arial"/>
+              </a:rPr>
+              <a:t>Pivotal Cloud Foundry</a:t>
+            </a:r>
+            <a:endParaRPr lang="en-US" sz="1600" dirty="0">
+              <a:solidFill>
+                <a:srgbClr val="FFFFFF"/>
+              </a:solidFill>
+              <a:cs typeface="Arial"/>
+            </a:endParaRPr>
           </a:p>
         </p:txBody>
       </p:sp>
-      <p:sp>
-        <p:nvSpPr>
-          <p:cNvPr id="4" name="Content Placeholder 3"/>
-          <p:cNvSpPr>
-            <a:spLocks noGrp="1"/>
-          </p:cNvSpPr>
-          <p:nvPr>
-            <p:ph sz="quarter" idx="11"/>
-          </p:nvPr>
-        </p:nvSpPr>
-        <p:spPr/>
-        <p:txBody>
-          <a:bodyPr/>
-          <a:lstStyle/>
-          <a:p>
-            <a:endParaRPr lang="en-US" dirty="0"/>
-          </a:p>
-        </p:txBody>
-      </p:sp>
+      <p:pic>
+        <p:nvPicPr>
+          <p:cNvPr id="7" name="Picture 6" descr="pivotal_teal.png"/>
+          <p:cNvPicPr>
+            <a:picLocks noChangeAspect="1"/>
+          </p:cNvPicPr>
+          <p:nvPr/>
+        </p:nvPicPr>
+        <p:blipFill>
+          <a:blip r:embed="rId5">
+            <a:lum bright="70000" contrast="-70000"/>
+            <a:extLst>
+              <a:ext uri="{BEBA8EAE-BF5A-486C-A8C5-ECC9F3942E4B}">
+                <a14:imgProps xmlns:a14="http://schemas.microsoft.com/office/drawing/2010/main">
+                  <a14:imgLayer r:embed="rId6">
+                    <a14:imgEffect>
+                      <a14:colorTemperature colorTemp="11500"/>
+                    </a14:imgEffect>
+                    <a14:imgEffect>
+                      <a14:saturation sat="0"/>
+                    </a14:imgEffect>
+                  </a14:imgLayer>
+                </a14:imgProps>
+              </a:ext>
+              <a:ext uri="{28A0092B-C50C-407E-A947-70E740481C1C}">
+                <a14:useLocalDpi xmlns:a14="http://schemas.microsoft.com/office/drawing/2010/main" val="0"/>
+              </a:ext>
+            </a:extLst>
+          </a:blip>
+          <a:stretch>
+            <a:fillRect/>
+          </a:stretch>
+        </p:blipFill>
+        <p:spPr>
+          <a:xfrm>
+            <a:off x="8272780" y="4855076"/>
+            <a:ext cx="731520" cy="171298"/>
+          </a:xfrm>
+          <a:prstGeom prst="rect">
+            <a:avLst/>
+          </a:prstGeom>
+        </p:spPr>
+      </p:pic>
     </p:spTree>
     <p:extLst>
       <p:ext uri="{BB962C8B-B14F-4D97-AF65-F5344CB8AC3E}">
-        <p14:creationId xmlns:p14="http://schemas.microsoft.com/office/powerpoint/2010/main" val="1799230690"/>
+        <p14:creationId xmlns:p14="http://schemas.microsoft.com/office/powerpoint/2010/main" val="3562292225"/>
       </p:ext>
     </p:extLst>
   </p:cSld>
   <p:clrMapOvr>
     <a:masterClrMapping/>
   </p:clrMapOvr>
-  <p:transition xmlns:p14="http://schemas.microsoft.com/office/powerpoint/2010/main">
-    <p:fade/>
-  </p:transition>
+  <mc:AlternateContent xmlns:mc="http://schemas.openxmlformats.org/markup-compatibility/2006" xmlns:p14="http://schemas.microsoft.com/office/powerpoint/2010/main">
+    <mc:Choice Requires="p14">
+      <p:transition p14:dur="0"/>
+    </mc:Choice>
+    <mc:Fallback xmlns="">
+      <p:transition xmlns:p14="http://schemas.microsoft.com/office/powerpoint/2010/main"/>
+    </mc:Fallback>
+  </mc:AlternateContent>
   <p:timing>
     <p:tnLst>
       <p:par>
@@ -14008,15 +14383,7 @@
                   <a:schemeClr val="bg2"/>
                 </a:solidFill>
               </a:rPr>
-              <a:t>Just a Spring Boot </a:t>
-            </a:r>
-            <a:r>
-              <a:rPr lang="en-US" sz="2400" i="1" dirty="0" smtClean="0">
-                <a:solidFill>
-                  <a:schemeClr val="bg2"/>
-                </a:solidFill>
-              </a:rPr>
-              <a:t>Application</a:t>
+              <a:t>Just a Spring Boot Application</a:t>
             </a:r>
           </a:p>
           <a:p>
